--- a/Diagnostics/local/Figures/paper_figures/Fig4.pptx
+++ b/Diagnostics/local/Figures/paper_figures/Fig4.pptx
@@ -243,7 +243,7 @@
           <a:p>
             <a:fld id="{FD94682A-00C5-499F-BEAA-3AB457342074}" type="datetimeFigureOut">
               <a:rPr lang="en-US" smtClean="0"/>
-              <a:t>4/20/2023</a:t>
+              <a:t>5/10/2023</a:t>
             </a:fld>
             <a:endParaRPr lang="en-US"/>
           </a:p>
@@ -413,7 +413,7 @@
           <a:p>
             <a:fld id="{FD94682A-00C5-499F-BEAA-3AB457342074}" type="datetimeFigureOut">
               <a:rPr lang="en-US" smtClean="0"/>
-              <a:t>4/20/2023</a:t>
+              <a:t>5/10/2023</a:t>
             </a:fld>
             <a:endParaRPr lang="en-US"/>
           </a:p>
@@ -593,7 +593,7 @@
           <a:p>
             <a:fld id="{FD94682A-00C5-499F-BEAA-3AB457342074}" type="datetimeFigureOut">
               <a:rPr lang="en-US" smtClean="0"/>
-              <a:t>4/20/2023</a:t>
+              <a:t>5/10/2023</a:t>
             </a:fld>
             <a:endParaRPr lang="en-US"/>
           </a:p>
@@ -763,7 +763,7 @@
           <a:p>
             <a:fld id="{FD94682A-00C5-499F-BEAA-3AB457342074}" type="datetimeFigureOut">
               <a:rPr lang="en-US" smtClean="0"/>
-              <a:t>4/20/2023</a:t>
+              <a:t>5/10/2023</a:t>
             </a:fld>
             <a:endParaRPr lang="en-US"/>
           </a:p>
@@ -1007,7 +1007,7 @@
           <a:p>
             <a:fld id="{FD94682A-00C5-499F-BEAA-3AB457342074}" type="datetimeFigureOut">
               <a:rPr lang="en-US" smtClean="0"/>
-              <a:t>4/20/2023</a:t>
+              <a:t>5/10/2023</a:t>
             </a:fld>
             <a:endParaRPr lang="en-US"/>
           </a:p>
@@ -1239,7 +1239,7 @@
           <a:p>
             <a:fld id="{FD94682A-00C5-499F-BEAA-3AB457342074}" type="datetimeFigureOut">
               <a:rPr lang="en-US" smtClean="0"/>
-              <a:t>4/20/2023</a:t>
+              <a:t>5/10/2023</a:t>
             </a:fld>
             <a:endParaRPr lang="en-US"/>
           </a:p>
@@ -1606,7 +1606,7 @@
           <a:p>
             <a:fld id="{FD94682A-00C5-499F-BEAA-3AB457342074}" type="datetimeFigureOut">
               <a:rPr lang="en-US" smtClean="0"/>
-              <a:t>4/20/2023</a:t>
+              <a:t>5/10/2023</a:t>
             </a:fld>
             <a:endParaRPr lang="en-US"/>
           </a:p>
@@ -1724,7 +1724,7 @@
           <a:p>
             <a:fld id="{FD94682A-00C5-499F-BEAA-3AB457342074}" type="datetimeFigureOut">
               <a:rPr lang="en-US" smtClean="0"/>
-              <a:t>4/20/2023</a:t>
+              <a:t>5/10/2023</a:t>
             </a:fld>
             <a:endParaRPr lang="en-US"/>
           </a:p>
@@ -1819,7 +1819,7 @@
           <a:p>
             <a:fld id="{FD94682A-00C5-499F-BEAA-3AB457342074}" type="datetimeFigureOut">
               <a:rPr lang="en-US" smtClean="0"/>
-              <a:t>4/20/2023</a:t>
+              <a:t>5/10/2023</a:t>
             </a:fld>
             <a:endParaRPr lang="en-US"/>
           </a:p>
@@ -2096,7 +2096,7 @@
           <a:p>
             <a:fld id="{FD94682A-00C5-499F-BEAA-3AB457342074}" type="datetimeFigureOut">
               <a:rPr lang="en-US" smtClean="0"/>
-              <a:t>4/20/2023</a:t>
+              <a:t>5/10/2023</a:t>
             </a:fld>
             <a:endParaRPr lang="en-US"/>
           </a:p>
@@ -2353,7 +2353,7 @@
           <a:p>
             <a:fld id="{FD94682A-00C5-499F-BEAA-3AB457342074}" type="datetimeFigureOut">
               <a:rPr lang="en-US" smtClean="0"/>
-              <a:t>4/20/2023</a:t>
+              <a:t>5/10/2023</a:t>
             </a:fld>
             <a:endParaRPr lang="en-US"/>
           </a:p>
@@ -2566,7 +2566,7 @@
           <a:p>
             <a:fld id="{FD94682A-00C5-499F-BEAA-3AB457342074}" type="datetimeFigureOut">
               <a:rPr lang="en-US" smtClean="0"/>
-              <a:t>4/20/2023</a:t>
+              <a:t>5/10/2023</a:t>
             </a:fld>
             <a:endParaRPr lang="en-US"/>
           </a:p>
@@ -2973,10 +2973,10 @@
       </p:grpSpPr>
       <p:pic>
         <p:nvPicPr>
-          <p:cNvPr id="3" name="Picture 2">
+          <p:cNvPr id="7" name="Picture 6">
             <a:extLst>
               <a:ext uri="{FF2B5EF4-FFF2-40B4-BE49-F238E27FC236}">
-                <a16:creationId xmlns:a16="http://schemas.microsoft.com/office/drawing/2014/main" id="{32AAEA35-14D6-4E68-B820-4744F4647E38}"/>
+                <a16:creationId xmlns:a16="http://schemas.microsoft.com/office/drawing/2014/main" id="{AD017D94-5F57-420E-8FCF-2485BA4BE7A9}"/>
               </a:ext>
             </a:extLst>
           </p:cNvPr>
@@ -2993,13 +2993,13 @@
               </a:ext>
             </a:extLst>
           </a:blip>
-          <a:srcRect t="4415" r="5264" b="3019"/>
+          <a:srcRect t="6091" r="3954"/>
           <a:stretch/>
         </p:blipFill>
         <p:spPr>
           <a:xfrm>
-            <a:off x="-1" y="59269"/>
-            <a:ext cx="4477607" cy="3291681"/>
+            <a:off x="12344" y="11517"/>
+            <a:ext cx="4477606" cy="3405131"/>
           </a:xfrm>
           <a:prstGeom prst="rect">
             <a:avLst/>
@@ -3033,7 +3033,7 @@
         </p:blipFill>
         <p:spPr>
           <a:xfrm>
-            <a:off x="0" y="3350950"/>
+            <a:off x="12344" y="3310845"/>
             <a:ext cx="4477607" cy="3267502"/>
           </a:xfrm>
           <a:prstGeom prst="rect">

--- a/Diagnostics/local/Figures/paper_figures/Fig4.pptx
+++ b/Diagnostics/local/Figures/paper_figures/Fig4.pptx
@@ -243,7 +243,7 @@
           <a:p>
             <a:fld id="{FD94682A-00C5-499F-BEAA-3AB457342074}" type="datetimeFigureOut">
               <a:rPr lang="en-US" smtClean="0"/>
-              <a:t>5/10/2023</a:t>
+              <a:t>6/3/23</a:t>
             </a:fld>
             <a:endParaRPr lang="en-US"/>
           </a:p>
@@ -413,7 +413,7 @@
           <a:p>
             <a:fld id="{FD94682A-00C5-499F-BEAA-3AB457342074}" type="datetimeFigureOut">
               <a:rPr lang="en-US" smtClean="0"/>
-              <a:t>5/10/2023</a:t>
+              <a:t>6/3/23</a:t>
             </a:fld>
             <a:endParaRPr lang="en-US"/>
           </a:p>
@@ -593,7 +593,7 @@
           <a:p>
             <a:fld id="{FD94682A-00C5-499F-BEAA-3AB457342074}" type="datetimeFigureOut">
               <a:rPr lang="en-US" smtClean="0"/>
-              <a:t>5/10/2023</a:t>
+              <a:t>6/3/23</a:t>
             </a:fld>
             <a:endParaRPr lang="en-US"/>
           </a:p>
@@ -763,7 +763,7 @@
           <a:p>
             <a:fld id="{FD94682A-00C5-499F-BEAA-3AB457342074}" type="datetimeFigureOut">
               <a:rPr lang="en-US" smtClean="0"/>
-              <a:t>5/10/2023</a:t>
+              <a:t>6/3/23</a:t>
             </a:fld>
             <a:endParaRPr lang="en-US"/>
           </a:p>
@@ -1007,7 +1007,7 @@
           <a:p>
             <a:fld id="{FD94682A-00C5-499F-BEAA-3AB457342074}" type="datetimeFigureOut">
               <a:rPr lang="en-US" smtClean="0"/>
-              <a:t>5/10/2023</a:t>
+              <a:t>6/3/23</a:t>
             </a:fld>
             <a:endParaRPr lang="en-US"/>
           </a:p>
@@ -1239,7 +1239,7 @@
           <a:p>
             <a:fld id="{FD94682A-00C5-499F-BEAA-3AB457342074}" type="datetimeFigureOut">
               <a:rPr lang="en-US" smtClean="0"/>
-              <a:t>5/10/2023</a:t>
+              <a:t>6/3/23</a:t>
             </a:fld>
             <a:endParaRPr lang="en-US"/>
           </a:p>
@@ -1606,7 +1606,7 @@
           <a:p>
             <a:fld id="{FD94682A-00C5-499F-BEAA-3AB457342074}" type="datetimeFigureOut">
               <a:rPr lang="en-US" smtClean="0"/>
-              <a:t>5/10/2023</a:t>
+              <a:t>6/3/23</a:t>
             </a:fld>
             <a:endParaRPr lang="en-US"/>
           </a:p>
@@ -1724,7 +1724,7 @@
           <a:p>
             <a:fld id="{FD94682A-00C5-499F-BEAA-3AB457342074}" type="datetimeFigureOut">
               <a:rPr lang="en-US" smtClean="0"/>
-              <a:t>5/10/2023</a:t>
+              <a:t>6/3/23</a:t>
             </a:fld>
             <a:endParaRPr lang="en-US"/>
           </a:p>
@@ -1819,7 +1819,7 @@
           <a:p>
             <a:fld id="{FD94682A-00C5-499F-BEAA-3AB457342074}" type="datetimeFigureOut">
               <a:rPr lang="en-US" smtClean="0"/>
-              <a:t>5/10/2023</a:t>
+              <a:t>6/3/23</a:t>
             </a:fld>
             <a:endParaRPr lang="en-US"/>
           </a:p>
@@ -2096,7 +2096,7 @@
           <a:p>
             <a:fld id="{FD94682A-00C5-499F-BEAA-3AB457342074}" type="datetimeFigureOut">
               <a:rPr lang="en-US" smtClean="0"/>
-              <a:t>5/10/2023</a:t>
+              <a:t>6/3/23</a:t>
             </a:fld>
             <a:endParaRPr lang="en-US"/>
           </a:p>
@@ -2353,7 +2353,7 @@
           <a:p>
             <a:fld id="{FD94682A-00C5-499F-BEAA-3AB457342074}" type="datetimeFigureOut">
               <a:rPr lang="en-US" smtClean="0"/>
-              <a:t>5/10/2023</a:t>
+              <a:t>6/3/23</a:t>
             </a:fld>
             <a:endParaRPr lang="en-US"/>
           </a:p>
@@ -2566,7 +2566,7 @@
           <a:p>
             <a:fld id="{FD94682A-00C5-499F-BEAA-3AB457342074}" type="datetimeFigureOut">
               <a:rPr lang="en-US" smtClean="0"/>
-              <a:t>5/10/2023</a:t>
+              <a:t>6/3/23</a:t>
             </a:fld>
             <a:endParaRPr lang="en-US"/>
           </a:p>
@@ -2973,10 +2973,10 @@
       </p:grpSpPr>
       <p:pic>
         <p:nvPicPr>
-          <p:cNvPr id="7" name="Picture 6">
+          <p:cNvPr id="5" name="Picture 4">
             <a:extLst>
               <a:ext uri="{FF2B5EF4-FFF2-40B4-BE49-F238E27FC236}">
-                <a16:creationId xmlns:a16="http://schemas.microsoft.com/office/drawing/2014/main" id="{AD017D94-5F57-420E-8FCF-2485BA4BE7A9}"/>
+                <a16:creationId xmlns:a16="http://schemas.microsoft.com/office/drawing/2014/main" id="{0DFABD32-578E-C951-E21A-EB378135E617}"/>
               </a:ext>
             </a:extLst>
           </p:cNvPr>
@@ -2993,13 +2993,13 @@
               </a:ext>
             </a:extLst>
           </a:blip>
-          <a:srcRect t="6091" r="3954"/>
+          <a:srcRect l="1525" t="4322" r="5089" b="3421"/>
           <a:stretch/>
         </p:blipFill>
         <p:spPr>
           <a:xfrm>
-            <a:off x="12344" y="11517"/>
-            <a:ext cx="4477606" cy="3405131"/>
+            <a:off x="71032" y="-28862"/>
+            <a:ext cx="4407902" cy="3386916"/>
           </a:xfrm>
           <a:prstGeom prst="rect">
             <a:avLst/>
@@ -3033,7 +3033,7 @@
         </p:blipFill>
         <p:spPr>
           <a:xfrm>
-            <a:off x="12344" y="3310845"/>
+            <a:off x="12344" y="3321862"/>
             <a:ext cx="4477607" cy="3267502"/>
           </a:xfrm>
           <a:prstGeom prst="rect">
@@ -3041,8 +3041,8 @@
           </a:prstGeom>
         </p:spPr>
       </p:pic>
-      <mc:AlternateContent xmlns:mc="http://schemas.openxmlformats.org/markup-compatibility/2006" xmlns:a14="http://schemas.microsoft.com/office/drawing/2010/main">
-        <mc:Choice Requires="a14">
+      <mc:AlternateContent xmlns:mc="http://schemas.openxmlformats.org/markup-compatibility/2006">
+        <mc:Choice xmlns:a14="http://schemas.microsoft.com/office/drawing/2010/main" Requires="a14">
           <p:sp>
             <p:nvSpPr>
               <p:cNvPr id="6" name="TextBox 5">
@@ -3208,7 +3208,7 @@
             </p:txBody>
           </p:sp>
         </mc:Choice>
-        <mc:Fallback xmlns="">
+        <mc:Fallback>
           <p:sp>
             <p:nvSpPr>
               <p:cNvPr id="6" name="TextBox 5">
@@ -3234,7 +3234,7 @@
               <a:blipFill>
                 <a:blip r:embed="rId4"/>
                 <a:stretch>
-                  <a:fillRect l="-2454" b="-6849"/>
+                  <a:fillRect l="-2532" t="-2778" r="-1266" b="-8333"/>
                 </a:stretch>
               </a:blipFill>
             </p:spPr>

--- a/Diagnostics/local/Figures/paper_figures/Fig4.pptx
+++ b/Diagnostics/local/Figures/paper_figures/Fig4.pptx
@@ -243,7 +243,7 @@
           <a:p>
             <a:fld id="{FD94682A-00C5-499F-BEAA-3AB457342074}" type="datetimeFigureOut">
               <a:rPr lang="en-US" smtClean="0"/>
-              <a:t>6/3/23</a:t>
+              <a:t>7/31/23</a:t>
             </a:fld>
             <a:endParaRPr lang="en-US"/>
           </a:p>
@@ -413,7 +413,7 @@
           <a:p>
             <a:fld id="{FD94682A-00C5-499F-BEAA-3AB457342074}" type="datetimeFigureOut">
               <a:rPr lang="en-US" smtClean="0"/>
-              <a:t>6/3/23</a:t>
+              <a:t>7/31/23</a:t>
             </a:fld>
             <a:endParaRPr lang="en-US"/>
           </a:p>
@@ -593,7 +593,7 @@
           <a:p>
             <a:fld id="{FD94682A-00C5-499F-BEAA-3AB457342074}" type="datetimeFigureOut">
               <a:rPr lang="en-US" smtClean="0"/>
-              <a:t>6/3/23</a:t>
+              <a:t>7/31/23</a:t>
             </a:fld>
             <a:endParaRPr lang="en-US"/>
           </a:p>
@@ -763,7 +763,7 @@
           <a:p>
             <a:fld id="{FD94682A-00C5-499F-BEAA-3AB457342074}" type="datetimeFigureOut">
               <a:rPr lang="en-US" smtClean="0"/>
-              <a:t>6/3/23</a:t>
+              <a:t>7/31/23</a:t>
             </a:fld>
             <a:endParaRPr lang="en-US"/>
           </a:p>
@@ -1007,7 +1007,7 @@
           <a:p>
             <a:fld id="{FD94682A-00C5-499F-BEAA-3AB457342074}" type="datetimeFigureOut">
               <a:rPr lang="en-US" smtClean="0"/>
-              <a:t>6/3/23</a:t>
+              <a:t>7/31/23</a:t>
             </a:fld>
             <a:endParaRPr lang="en-US"/>
           </a:p>
@@ -1239,7 +1239,7 @@
           <a:p>
             <a:fld id="{FD94682A-00C5-499F-BEAA-3AB457342074}" type="datetimeFigureOut">
               <a:rPr lang="en-US" smtClean="0"/>
-              <a:t>6/3/23</a:t>
+              <a:t>7/31/23</a:t>
             </a:fld>
             <a:endParaRPr lang="en-US"/>
           </a:p>
@@ -1606,7 +1606,7 @@
           <a:p>
             <a:fld id="{FD94682A-00C5-499F-BEAA-3AB457342074}" type="datetimeFigureOut">
               <a:rPr lang="en-US" smtClean="0"/>
-              <a:t>6/3/23</a:t>
+              <a:t>7/31/23</a:t>
             </a:fld>
             <a:endParaRPr lang="en-US"/>
           </a:p>
@@ -1724,7 +1724,7 @@
           <a:p>
             <a:fld id="{FD94682A-00C5-499F-BEAA-3AB457342074}" type="datetimeFigureOut">
               <a:rPr lang="en-US" smtClean="0"/>
-              <a:t>6/3/23</a:t>
+              <a:t>7/31/23</a:t>
             </a:fld>
             <a:endParaRPr lang="en-US"/>
           </a:p>
@@ -1819,7 +1819,7 @@
           <a:p>
             <a:fld id="{FD94682A-00C5-499F-BEAA-3AB457342074}" type="datetimeFigureOut">
               <a:rPr lang="en-US" smtClean="0"/>
-              <a:t>6/3/23</a:t>
+              <a:t>7/31/23</a:t>
             </a:fld>
             <a:endParaRPr lang="en-US"/>
           </a:p>
@@ -2096,7 +2096,7 @@
           <a:p>
             <a:fld id="{FD94682A-00C5-499F-BEAA-3AB457342074}" type="datetimeFigureOut">
               <a:rPr lang="en-US" smtClean="0"/>
-              <a:t>6/3/23</a:t>
+              <a:t>7/31/23</a:t>
             </a:fld>
             <a:endParaRPr lang="en-US"/>
           </a:p>
@@ -2353,7 +2353,7 @@
           <a:p>
             <a:fld id="{FD94682A-00C5-499F-BEAA-3AB457342074}" type="datetimeFigureOut">
               <a:rPr lang="en-US" smtClean="0"/>
-              <a:t>6/3/23</a:t>
+              <a:t>7/31/23</a:t>
             </a:fld>
             <a:endParaRPr lang="en-US"/>
           </a:p>
@@ -2566,7 +2566,7 @@
           <a:p>
             <a:fld id="{FD94682A-00C5-499F-BEAA-3AB457342074}" type="datetimeFigureOut">
               <a:rPr lang="en-US" smtClean="0"/>
-              <a:t>6/3/23</a:t>
+              <a:t>7/31/23</a:t>
             </a:fld>
             <a:endParaRPr lang="en-US"/>
           </a:p>
@@ -2973,10 +2973,10 @@
       </p:grpSpPr>
       <p:pic>
         <p:nvPicPr>
-          <p:cNvPr id="5" name="Picture 4">
+          <p:cNvPr id="3" name="Picture 2" descr="A graph of different colored lines&#10;&#10;Description automatically generated">
             <a:extLst>
               <a:ext uri="{FF2B5EF4-FFF2-40B4-BE49-F238E27FC236}">
-                <a16:creationId xmlns:a16="http://schemas.microsoft.com/office/drawing/2014/main" id="{0DFABD32-578E-C951-E21A-EB378135E617}"/>
+                <a16:creationId xmlns:a16="http://schemas.microsoft.com/office/drawing/2014/main" id="{7DA8593A-A248-B445-C0A9-42D4BC79503B}"/>
               </a:ext>
             </a:extLst>
           </p:cNvPr>
@@ -2993,13 +2993,13 @@
               </a:ext>
             </a:extLst>
           </a:blip>
-          <a:srcRect l="1525" t="4322" r="5089" b="3421"/>
+          <a:srcRect t="4755" r="6640" b="4205"/>
           <a:stretch/>
         </p:blipFill>
         <p:spPr>
           <a:xfrm>
-            <a:off x="71032" y="-28862"/>
-            <a:ext cx="4407902" cy="3386916"/>
+            <a:off x="15946" y="3255929"/>
+            <a:ext cx="4407901" cy="3343177"/>
           </a:xfrm>
           <a:prstGeom prst="rect">
             <a:avLst/>
@@ -3008,10 +3008,10 @@
       </p:pic>
       <p:pic>
         <p:nvPicPr>
-          <p:cNvPr id="10" name="Picture 9">
+          <p:cNvPr id="5" name="Picture 4">
             <a:extLst>
               <a:ext uri="{FF2B5EF4-FFF2-40B4-BE49-F238E27FC236}">
-                <a16:creationId xmlns:a16="http://schemas.microsoft.com/office/drawing/2014/main" id="{7818503A-6189-4133-AF65-6D06CD3317D0}"/>
+                <a16:creationId xmlns:a16="http://schemas.microsoft.com/office/drawing/2014/main" id="{0DFABD32-578E-C951-E21A-EB378135E617}"/>
               </a:ext>
             </a:extLst>
           </p:cNvPr>
@@ -3028,21 +3028,21 @@
               </a:ext>
             </a:extLst>
           </a:blip>
-          <a:srcRect t="7308" r="5371" b="3907"/>
+          <a:srcRect l="1525" t="4322" r="5089" b="3421"/>
           <a:stretch/>
         </p:blipFill>
         <p:spPr>
           <a:xfrm>
-            <a:off x="12344" y="3321862"/>
-            <a:ext cx="4477607" cy="3267502"/>
+            <a:off x="71032" y="-17845"/>
+            <a:ext cx="4407902" cy="3386916"/>
           </a:xfrm>
           <a:prstGeom prst="rect">
             <a:avLst/>
           </a:prstGeom>
         </p:spPr>
       </p:pic>
-      <mc:AlternateContent xmlns:mc="http://schemas.openxmlformats.org/markup-compatibility/2006">
-        <mc:Choice xmlns:a14="http://schemas.microsoft.com/office/drawing/2010/main" Requires="a14">
+      <mc:AlternateContent xmlns:mc="http://schemas.openxmlformats.org/markup-compatibility/2006" xmlns:a14="http://schemas.microsoft.com/office/drawing/2010/main">
+        <mc:Choice Requires="a14">
           <p:sp>
             <p:nvSpPr>
               <p:cNvPr id="6" name="TextBox 5">
@@ -3208,7 +3208,7 @@
             </p:txBody>
           </p:sp>
         </mc:Choice>
-        <mc:Fallback>
+        <mc:Fallback xmlns="">
           <p:sp>
             <p:nvSpPr>
               <p:cNvPr id="6" name="TextBox 5">

--- a/Diagnostics/local/Figures/paper_figures/Fig4.pptx
+++ b/Diagnostics/local/Figures/paper_figures/Fig4.pptx
@@ -243,7 +243,7 @@
           <a:p>
             <a:fld id="{FD94682A-00C5-499F-BEAA-3AB457342074}" type="datetimeFigureOut">
               <a:rPr lang="en-US" smtClean="0"/>
-              <a:t>7/31/23</a:t>
+              <a:t>9/20/2023</a:t>
             </a:fld>
             <a:endParaRPr lang="en-US"/>
           </a:p>
@@ -413,7 +413,7 @@
           <a:p>
             <a:fld id="{FD94682A-00C5-499F-BEAA-3AB457342074}" type="datetimeFigureOut">
               <a:rPr lang="en-US" smtClean="0"/>
-              <a:t>7/31/23</a:t>
+              <a:t>9/20/2023</a:t>
             </a:fld>
             <a:endParaRPr lang="en-US"/>
           </a:p>
@@ -593,7 +593,7 @@
           <a:p>
             <a:fld id="{FD94682A-00C5-499F-BEAA-3AB457342074}" type="datetimeFigureOut">
               <a:rPr lang="en-US" smtClean="0"/>
-              <a:t>7/31/23</a:t>
+              <a:t>9/20/2023</a:t>
             </a:fld>
             <a:endParaRPr lang="en-US"/>
           </a:p>
@@ -763,7 +763,7 @@
           <a:p>
             <a:fld id="{FD94682A-00C5-499F-BEAA-3AB457342074}" type="datetimeFigureOut">
               <a:rPr lang="en-US" smtClean="0"/>
-              <a:t>7/31/23</a:t>
+              <a:t>9/20/2023</a:t>
             </a:fld>
             <a:endParaRPr lang="en-US"/>
           </a:p>
@@ -1007,7 +1007,7 @@
           <a:p>
             <a:fld id="{FD94682A-00C5-499F-BEAA-3AB457342074}" type="datetimeFigureOut">
               <a:rPr lang="en-US" smtClean="0"/>
-              <a:t>7/31/23</a:t>
+              <a:t>9/20/2023</a:t>
             </a:fld>
             <a:endParaRPr lang="en-US"/>
           </a:p>
@@ -1239,7 +1239,7 @@
           <a:p>
             <a:fld id="{FD94682A-00C5-499F-BEAA-3AB457342074}" type="datetimeFigureOut">
               <a:rPr lang="en-US" smtClean="0"/>
-              <a:t>7/31/23</a:t>
+              <a:t>9/20/2023</a:t>
             </a:fld>
             <a:endParaRPr lang="en-US"/>
           </a:p>
@@ -1606,7 +1606,7 @@
           <a:p>
             <a:fld id="{FD94682A-00C5-499F-BEAA-3AB457342074}" type="datetimeFigureOut">
               <a:rPr lang="en-US" smtClean="0"/>
-              <a:t>7/31/23</a:t>
+              <a:t>9/20/2023</a:t>
             </a:fld>
             <a:endParaRPr lang="en-US"/>
           </a:p>
@@ -1724,7 +1724,7 @@
           <a:p>
             <a:fld id="{FD94682A-00C5-499F-BEAA-3AB457342074}" type="datetimeFigureOut">
               <a:rPr lang="en-US" smtClean="0"/>
-              <a:t>7/31/23</a:t>
+              <a:t>9/20/2023</a:t>
             </a:fld>
             <a:endParaRPr lang="en-US"/>
           </a:p>
@@ -1819,7 +1819,7 @@
           <a:p>
             <a:fld id="{FD94682A-00C5-499F-BEAA-3AB457342074}" type="datetimeFigureOut">
               <a:rPr lang="en-US" smtClean="0"/>
-              <a:t>7/31/23</a:t>
+              <a:t>9/20/2023</a:t>
             </a:fld>
             <a:endParaRPr lang="en-US"/>
           </a:p>
@@ -2096,7 +2096,7 @@
           <a:p>
             <a:fld id="{FD94682A-00C5-499F-BEAA-3AB457342074}" type="datetimeFigureOut">
               <a:rPr lang="en-US" smtClean="0"/>
-              <a:t>7/31/23</a:t>
+              <a:t>9/20/2023</a:t>
             </a:fld>
             <a:endParaRPr lang="en-US"/>
           </a:p>
@@ -2353,7 +2353,7 @@
           <a:p>
             <a:fld id="{FD94682A-00C5-499F-BEAA-3AB457342074}" type="datetimeFigureOut">
               <a:rPr lang="en-US" smtClean="0"/>
-              <a:t>7/31/23</a:t>
+              <a:t>9/20/2023</a:t>
             </a:fld>
             <a:endParaRPr lang="en-US"/>
           </a:p>
@@ -2566,7 +2566,7 @@
           <a:p>
             <a:fld id="{FD94682A-00C5-499F-BEAA-3AB457342074}" type="datetimeFigureOut">
               <a:rPr lang="en-US" smtClean="0"/>
-              <a:t>7/31/23</a:t>
+              <a:t>9/20/2023</a:t>
             </a:fld>
             <a:endParaRPr lang="en-US"/>
           </a:p>
@@ -2973,10 +2973,10 @@
       </p:grpSpPr>
       <p:pic>
         <p:nvPicPr>
-          <p:cNvPr id="3" name="Picture 2" descr="A graph of different colored lines&#10;&#10;Description automatically generated">
+          <p:cNvPr id="11" name="Picture 10">
             <a:extLst>
               <a:ext uri="{FF2B5EF4-FFF2-40B4-BE49-F238E27FC236}">
-                <a16:creationId xmlns:a16="http://schemas.microsoft.com/office/drawing/2014/main" id="{7DA8593A-A248-B445-C0A9-42D4BC79503B}"/>
+                <a16:creationId xmlns:a16="http://schemas.microsoft.com/office/drawing/2014/main" id="{42D6A132-2392-40FC-8BDB-133116E08011}"/>
               </a:ext>
             </a:extLst>
           </p:cNvPr>
@@ -2993,13 +2993,13 @@
               </a:ext>
             </a:extLst>
           </a:blip>
-          <a:srcRect t="4755" r="6640" b="4205"/>
+          <a:srcRect l="2023" t="5253" r="4219"/>
           <a:stretch/>
         </p:blipFill>
         <p:spPr>
           <a:xfrm>
-            <a:off x="15946" y="3255929"/>
-            <a:ext cx="4407901" cy="3343177"/>
+            <a:off x="115832" y="1"/>
+            <a:ext cx="4462272" cy="3457073"/>
           </a:xfrm>
           <a:prstGeom prst="rect">
             <a:avLst/>
@@ -3008,10 +3008,10 @@
       </p:pic>
       <p:pic>
         <p:nvPicPr>
-          <p:cNvPr id="5" name="Picture 4">
+          <p:cNvPr id="14" name="Picture 13">
             <a:extLst>
               <a:ext uri="{FF2B5EF4-FFF2-40B4-BE49-F238E27FC236}">
-                <a16:creationId xmlns:a16="http://schemas.microsoft.com/office/drawing/2014/main" id="{0DFABD32-578E-C951-E21A-EB378135E617}"/>
+                <a16:creationId xmlns:a16="http://schemas.microsoft.com/office/drawing/2014/main" id="{C03CDE7A-9CF5-451C-BE1D-A9599FB45D1C}"/>
               </a:ext>
             </a:extLst>
           </p:cNvPr>
@@ -3028,13 +3028,13 @@
               </a:ext>
             </a:extLst>
           </a:blip>
-          <a:srcRect l="1525" t="4322" r="5089" b="3421"/>
+          <a:srcRect l="1326" t="7825" r="6842" b="5365"/>
           <a:stretch/>
         </p:blipFill>
         <p:spPr>
           <a:xfrm>
-            <a:off x="71032" y="-17845"/>
-            <a:ext cx="4407902" cy="3386916"/>
+            <a:off x="47494" y="3326664"/>
+            <a:ext cx="4424716" cy="3253246"/>
           </a:xfrm>
           <a:prstGeom prst="rect">
             <a:avLst/>
